--- a/Flipkart Products Analysis.pptx
+++ b/Flipkart Products Analysis.pptx
@@ -2148,13 +2148,13 @@
   <p:clrMapOvr>
     <a:masterClrMapping/>
   </p:clrMapOvr>
-  <mc:AlternateContent xmlns:mc="http://schemas.openxmlformats.org/markup-compatibility/2006">
-    <mc:Choice xmlns:p14="http://schemas.microsoft.com/office/powerpoint/2010/main" Requires="p14">
+  <mc:AlternateContent xmlns:mc="http://schemas.openxmlformats.org/markup-compatibility/2006" xmlns:p14="http://schemas.microsoft.com/office/powerpoint/2010/main">
+    <mc:Choice Requires="p14">
       <p:transition spd="slow" p14:dur="1250">
         <p:wipe/>
       </p:transition>
     </mc:Choice>
-    <mc:Fallback>
+    <mc:Fallback xmlns="">
       <p:transition spd="slow">
         <p:wipe/>
       </p:transition>
@@ -3133,13 +3133,13 @@
   <p:clrMapOvr>
     <a:masterClrMapping/>
   </p:clrMapOvr>
-  <mc:AlternateContent xmlns:mc="http://schemas.openxmlformats.org/markup-compatibility/2006">
-    <mc:Choice xmlns:p14="http://schemas.microsoft.com/office/powerpoint/2010/main" Requires="p14">
+  <mc:AlternateContent xmlns:mc="http://schemas.openxmlformats.org/markup-compatibility/2006" xmlns:p14="http://schemas.microsoft.com/office/powerpoint/2010/main">
+    <mc:Choice Requires="p14">
       <p:transition spd="slow" p14:dur="1250">
         <p:wipe/>
       </p:transition>
     </mc:Choice>
-    <mc:Fallback>
+    <mc:Fallback xmlns="">
       <p:transition spd="slow">
         <p:wipe/>
       </p:transition>
@@ -5209,13 +5209,13 @@
   <p:clrMapOvr>
     <a:masterClrMapping/>
   </p:clrMapOvr>
-  <mc:AlternateContent xmlns:mc="http://schemas.openxmlformats.org/markup-compatibility/2006">
-    <mc:Choice xmlns:p14="http://schemas.microsoft.com/office/powerpoint/2010/main" Requires="p14">
+  <mc:AlternateContent xmlns:mc="http://schemas.openxmlformats.org/markup-compatibility/2006" xmlns:p14="http://schemas.microsoft.com/office/powerpoint/2010/main">
+    <mc:Choice Requires="p14">
       <p:transition spd="slow" p14:dur="1250">
         <p:wipe/>
       </p:transition>
     </mc:Choice>
-    <mc:Fallback>
+    <mc:Fallback xmlns="">
       <p:transition spd="slow">
         <p:wipe/>
       </p:transition>
@@ -8543,13 +8543,13 @@
   <p:clrMapOvr>
     <a:masterClrMapping/>
   </p:clrMapOvr>
-  <mc:AlternateContent xmlns:mc="http://schemas.openxmlformats.org/markup-compatibility/2006">
-    <mc:Choice xmlns:p14="http://schemas.microsoft.com/office/powerpoint/2010/main" Requires="p14">
+  <mc:AlternateContent xmlns:mc="http://schemas.openxmlformats.org/markup-compatibility/2006" xmlns:p14="http://schemas.microsoft.com/office/powerpoint/2010/main">
+    <mc:Choice Requires="p14">
       <p:transition spd="slow" p14:dur="1250">
         <p:wipe/>
       </p:transition>
     </mc:Choice>
-    <mc:Fallback>
+    <mc:Fallback xmlns="">
       <p:transition spd="slow">
         <p:wipe/>
       </p:transition>
@@ -9042,13 +9042,13 @@
   <p:clrMapOvr>
     <a:masterClrMapping/>
   </p:clrMapOvr>
-  <mc:AlternateContent xmlns:mc="http://schemas.openxmlformats.org/markup-compatibility/2006">
-    <mc:Choice xmlns:p14="http://schemas.microsoft.com/office/powerpoint/2010/main" Requires="p14">
+  <mc:AlternateContent xmlns:mc="http://schemas.openxmlformats.org/markup-compatibility/2006" xmlns:p14="http://schemas.microsoft.com/office/powerpoint/2010/main">
+    <mc:Choice Requires="p14">
       <p:transition spd="slow" p14:dur="1250">
         <p:wipe/>
       </p:transition>
     </mc:Choice>
-    <mc:Fallback>
+    <mc:Fallback xmlns="">
       <p:transition spd="slow">
         <p:wipe/>
       </p:transition>
@@ -11272,13 +11272,13 @@
   <p:clrMapOvr>
     <a:masterClrMapping/>
   </p:clrMapOvr>
-  <mc:AlternateContent xmlns:mc="http://schemas.openxmlformats.org/markup-compatibility/2006">
-    <mc:Choice xmlns:p14="http://schemas.microsoft.com/office/powerpoint/2010/main" Requires="p14">
+  <mc:AlternateContent xmlns:mc="http://schemas.openxmlformats.org/markup-compatibility/2006" xmlns:p14="http://schemas.microsoft.com/office/powerpoint/2010/main">
+    <mc:Choice Requires="p14">
       <p:transition spd="slow" p14:dur="1250">
         <p:wipe/>
       </p:transition>
     </mc:Choice>
-    <mc:Fallback>
+    <mc:Fallback xmlns="">
       <p:transition spd="slow">
         <p:wipe/>
       </p:transition>
@@ -13777,13 +13777,13 @@
   <p:clrMapOvr>
     <a:masterClrMapping/>
   </p:clrMapOvr>
-  <mc:AlternateContent xmlns:mc="http://schemas.openxmlformats.org/markup-compatibility/2006">
-    <mc:Choice xmlns:p14="http://schemas.microsoft.com/office/powerpoint/2010/main" Requires="p14">
+  <mc:AlternateContent xmlns:mc="http://schemas.openxmlformats.org/markup-compatibility/2006" xmlns:p14="http://schemas.microsoft.com/office/powerpoint/2010/main">
+    <mc:Choice Requires="p14">
       <p:transition spd="slow" p14:dur="1250">
         <p:wipe/>
       </p:transition>
     </mc:Choice>
-    <mc:Fallback>
+    <mc:Fallback xmlns="">
       <p:transition spd="slow">
         <p:wipe/>
       </p:transition>
@@ -14273,13 +14273,13 @@
     <p:sldLayoutId id="2147483653" r:id="rId6"/>
     <p:sldLayoutId id="2147483654" r:id="rId7"/>
   </p:sldLayoutIdLst>
-  <mc:AlternateContent xmlns:mc="http://schemas.openxmlformats.org/markup-compatibility/2006">
-    <mc:Choice xmlns:p14="http://schemas.microsoft.com/office/powerpoint/2010/main" Requires="p14">
+  <mc:AlternateContent xmlns:mc="http://schemas.openxmlformats.org/markup-compatibility/2006" xmlns:p14="http://schemas.microsoft.com/office/powerpoint/2010/main">
+    <mc:Choice Requires="p14">
       <p:transition spd="slow" p14:dur="1250">
         <p:wipe/>
       </p:transition>
     </mc:Choice>
-    <mc:Fallback>
+    <mc:Fallback xmlns="">
       <p:transition spd="slow">
         <p:wipe/>
       </p:transition>
@@ -15255,11 +15255,11 @@
   <p:clrMapOvr>
     <a:masterClrMapping/>
   </p:clrMapOvr>
-  <mc:AlternateContent xmlns:mc="http://schemas.openxmlformats.org/markup-compatibility/2006">
-    <mc:Choice xmlns:p14="http://schemas.microsoft.com/office/powerpoint/2010/main" Requires="p14">
+  <mc:AlternateContent xmlns:mc="http://schemas.openxmlformats.org/markup-compatibility/2006" xmlns:p14="http://schemas.microsoft.com/office/powerpoint/2010/main">
+    <mc:Choice Requires="p14">
       <p:transition p14:dur="0"/>
     </mc:Choice>
-    <mc:Fallback>
+    <mc:Fallback xmlns="">
       <p:transition/>
     </mc:Fallback>
   </mc:AlternateContent>
@@ -15423,13 +15423,13 @@
   <p:clrMapOvr>
     <a:masterClrMapping/>
   </p:clrMapOvr>
-  <mc:AlternateContent xmlns:mc="http://schemas.openxmlformats.org/markup-compatibility/2006">
-    <mc:Choice xmlns:p14="http://schemas.microsoft.com/office/powerpoint/2010/main" Requires="p14">
+  <mc:AlternateContent xmlns:mc="http://schemas.openxmlformats.org/markup-compatibility/2006" xmlns:p14="http://schemas.microsoft.com/office/powerpoint/2010/main">
+    <mc:Choice Requires="p14">
       <p:transition spd="slow" p14:dur="1250">
         <p:wipe/>
       </p:transition>
     </mc:Choice>
-    <mc:Fallback>
+    <mc:Fallback xmlns="">
       <p:transition spd="slow">
         <p:wipe/>
       </p:transition>
@@ -15607,13 +15607,13 @@
   <p:clrMapOvr>
     <a:masterClrMapping/>
   </p:clrMapOvr>
-  <mc:AlternateContent xmlns:mc="http://schemas.openxmlformats.org/markup-compatibility/2006">
-    <mc:Choice xmlns:p14="http://schemas.microsoft.com/office/powerpoint/2010/main" Requires="p14">
+  <mc:AlternateContent xmlns:mc="http://schemas.openxmlformats.org/markup-compatibility/2006" xmlns:p14="http://schemas.microsoft.com/office/powerpoint/2010/main">
+    <mc:Choice Requires="p14">
       <p:transition spd="slow" p14:dur="1250">
         <p:wipe/>
       </p:transition>
     </mc:Choice>
-    <mc:Fallback>
+    <mc:Fallback xmlns="">
       <p:transition spd="slow">
         <p:wipe/>
       </p:transition>
@@ -15723,14 +15723,13 @@
         </p:nvPicPr>
         <p:blipFill>
           <a:blip r:embed="rId4"/>
-          <a:stretch>
-            <a:fillRect/>
-          </a:stretch>
+          <a:srcRect/>
+          <a:stretch/>
         </p:blipFill>
         <p:spPr>
           <a:xfrm>
-            <a:off x="1028700" y="2066432"/>
-            <a:ext cx="12805287" cy="7068536"/>
+            <a:off x="1079277" y="2066432"/>
+            <a:ext cx="12961187" cy="7068536"/>
           </a:xfrm>
           <a:prstGeom prst="rect">
             <a:avLst/>
@@ -15747,13 +15746,13 @@
   <p:clrMapOvr>
     <a:masterClrMapping/>
   </p:clrMapOvr>
-  <mc:AlternateContent xmlns:mc="http://schemas.openxmlformats.org/markup-compatibility/2006">
-    <mc:Choice xmlns:p14="http://schemas.microsoft.com/office/powerpoint/2010/main" Requires="p14">
+  <mc:AlternateContent xmlns:mc="http://schemas.openxmlformats.org/markup-compatibility/2006" xmlns:p14="http://schemas.microsoft.com/office/powerpoint/2010/main">
+    <mc:Choice Requires="p14">
       <p:transition spd="slow" p14:dur="1250">
         <p:wipe/>
       </p:transition>
     </mc:Choice>
-    <mc:Fallback>
+    <mc:Fallback xmlns="">
       <p:transition spd="slow">
         <p:wipe/>
       </p:transition>
@@ -15932,13 +15931,13 @@
   <p:clrMapOvr>
     <a:masterClrMapping/>
   </p:clrMapOvr>
-  <mc:AlternateContent xmlns:mc="http://schemas.openxmlformats.org/markup-compatibility/2006">
-    <mc:Choice xmlns:p14="http://schemas.microsoft.com/office/powerpoint/2010/main" Requires="p14">
+  <mc:AlternateContent xmlns:mc="http://schemas.openxmlformats.org/markup-compatibility/2006" xmlns:p14="http://schemas.microsoft.com/office/powerpoint/2010/main">
+    <mc:Choice Requires="p14">
       <p:transition spd="slow" p14:dur="1250">
         <p:wipe/>
       </p:transition>
     </mc:Choice>
-    <mc:Fallback>
+    <mc:Fallback xmlns="">
       <p:transition spd="slow">
         <p:wipe/>
       </p:transition>
@@ -16188,13 +16187,13 @@
   <p:clrMapOvr>
     <a:masterClrMapping/>
   </p:clrMapOvr>
-  <mc:AlternateContent xmlns:mc="http://schemas.openxmlformats.org/markup-compatibility/2006">
-    <mc:Choice xmlns:p14="http://schemas.microsoft.com/office/powerpoint/2010/main" Requires="p14">
+  <mc:AlternateContent xmlns:mc="http://schemas.openxmlformats.org/markup-compatibility/2006" xmlns:p14="http://schemas.microsoft.com/office/powerpoint/2010/main">
+    <mc:Choice Requires="p14">
       <p:transition spd="slow" p14:dur="1250">
         <p:wipe/>
       </p:transition>
     </mc:Choice>
-    <mc:Fallback>
+    <mc:Fallback xmlns="">
       <p:transition spd="slow">
         <p:wipe/>
       </p:transition>
@@ -16475,13 +16474,13 @@
   <p:clrMapOvr>
     <a:masterClrMapping/>
   </p:clrMapOvr>
-  <mc:AlternateContent xmlns:mc="http://schemas.openxmlformats.org/markup-compatibility/2006">
-    <mc:Choice xmlns:p14="http://schemas.microsoft.com/office/powerpoint/2010/main" Requires="p14">
+  <mc:AlternateContent xmlns:mc="http://schemas.openxmlformats.org/markup-compatibility/2006" xmlns:p14="http://schemas.microsoft.com/office/powerpoint/2010/main">
+    <mc:Choice Requires="p14">
       <p:transition spd="slow" p14:dur="1250">
         <p:wipe/>
       </p:transition>
     </mc:Choice>
-    <mc:Fallback>
+    <mc:Fallback xmlns="">
       <p:transition spd="slow">
         <p:wipe/>
       </p:transition>
@@ -16672,13 +16671,13 @@
   <p:clrMapOvr>
     <a:masterClrMapping/>
   </p:clrMapOvr>
-  <mc:AlternateContent xmlns:mc="http://schemas.openxmlformats.org/markup-compatibility/2006">
-    <mc:Choice xmlns:p14="http://schemas.microsoft.com/office/powerpoint/2010/main" Requires="p14">
+  <mc:AlternateContent xmlns:mc="http://schemas.openxmlformats.org/markup-compatibility/2006" xmlns:p14="http://schemas.microsoft.com/office/powerpoint/2010/main">
+    <mc:Choice Requires="p14">
       <p:transition spd="slow" p14:dur="1250">
         <p:wipe/>
       </p:transition>
     </mc:Choice>
-    <mc:Fallback>
+    <mc:Fallback xmlns="">
       <p:transition spd="slow">
         <p:wipe/>
       </p:transition>
@@ -16844,13 +16843,13 @@
   <p:clrMapOvr>
     <a:masterClrMapping/>
   </p:clrMapOvr>
-  <mc:AlternateContent xmlns:mc="http://schemas.openxmlformats.org/markup-compatibility/2006">
-    <mc:Choice xmlns:p14="http://schemas.microsoft.com/office/powerpoint/2010/main" Requires="p14">
+  <mc:AlternateContent xmlns:mc="http://schemas.openxmlformats.org/markup-compatibility/2006" xmlns:p14="http://schemas.microsoft.com/office/powerpoint/2010/main">
+    <mc:Choice Requires="p14">
       <p:transition spd="slow" p14:dur="1250">
         <p:wipe/>
       </p:transition>
     </mc:Choice>
-    <mc:Fallback>
+    <mc:Fallback xmlns="">
       <p:transition spd="slow">
         <p:wipe/>
       </p:transition>
@@ -17028,13 +17027,13 @@
   <p:clrMapOvr>
     <a:masterClrMapping/>
   </p:clrMapOvr>
-  <mc:AlternateContent xmlns:mc="http://schemas.openxmlformats.org/markup-compatibility/2006">
-    <mc:Choice xmlns:p14="http://schemas.microsoft.com/office/powerpoint/2010/main" Requires="p14">
+  <mc:AlternateContent xmlns:mc="http://schemas.openxmlformats.org/markup-compatibility/2006" xmlns:p14="http://schemas.microsoft.com/office/powerpoint/2010/main">
+    <mc:Choice Requires="p14">
       <p:transition spd="slow" p14:dur="1250">
         <p:wipe/>
       </p:transition>
     </mc:Choice>
-    <mc:Fallback>
+    <mc:Fallback xmlns="">
       <p:transition spd="slow">
         <p:wipe/>
       </p:transition>
@@ -17200,13 +17199,13 @@
   <p:clrMapOvr>
     <a:masterClrMapping/>
   </p:clrMapOvr>
-  <mc:AlternateContent xmlns:mc="http://schemas.openxmlformats.org/markup-compatibility/2006">
-    <mc:Choice xmlns:p14="http://schemas.microsoft.com/office/powerpoint/2010/main" Requires="p14">
+  <mc:AlternateContent xmlns:mc="http://schemas.openxmlformats.org/markup-compatibility/2006" xmlns:p14="http://schemas.microsoft.com/office/powerpoint/2010/main">
+    <mc:Choice Requires="p14">
       <p:transition spd="slow" p14:dur="1250">
         <p:wipe/>
       </p:transition>
     </mc:Choice>
-    <mc:Fallback>
+    <mc:Fallback xmlns="">
       <p:transition spd="slow">
         <p:wipe/>
       </p:transition>
@@ -17360,13 +17359,13 @@
   <p:clrMapOvr>
     <a:masterClrMapping/>
   </p:clrMapOvr>
-  <mc:AlternateContent xmlns:mc="http://schemas.openxmlformats.org/markup-compatibility/2006">
-    <mc:Choice xmlns:p14="http://schemas.microsoft.com/office/powerpoint/2010/main" Requires="p14">
+  <mc:AlternateContent xmlns:mc="http://schemas.openxmlformats.org/markup-compatibility/2006" xmlns:p14="http://schemas.microsoft.com/office/powerpoint/2010/main">
+    <mc:Choice Requires="p14">
       <p:transition spd="slow" p14:dur="1250">
         <p:wipe/>
       </p:transition>
     </mc:Choice>
-    <mc:Fallback>
+    <mc:Fallback xmlns="">
       <p:transition spd="slow">
         <p:wipe/>
       </p:transition>
@@ -17544,13 +17543,13 @@
   <p:clrMapOvr>
     <a:masterClrMapping/>
   </p:clrMapOvr>
-  <mc:AlternateContent xmlns:mc="http://schemas.openxmlformats.org/markup-compatibility/2006">
-    <mc:Choice xmlns:p14="http://schemas.microsoft.com/office/powerpoint/2010/main" Requires="p14">
+  <mc:AlternateContent xmlns:mc="http://schemas.openxmlformats.org/markup-compatibility/2006" xmlns:p14="http://schemas.microsoft.com/office/powerpoint/2010/main">
+    <mc:Choice Requires="p14">
       <p:transition spd="slow" p14:dur="1250">
         <p:wipe/>
       </p:transition>
     </mc:Choice>
-    <mc:Fallback>
+    <mc:Fallback xmlns="">
       <p:transition spd="slow">
         <p:wipe/>
       </p:transition>
